--- a/WhyGit.pptx
+++ b/WhyGit.pptx
@@ -111,6 +111,11 @@
       </a:defRPr>
     </a:lvl9pPr>
   </p:defaultTextStyle>
+  <p:extLst>
+    <p:ext uri="{EFAFB233-063F-42B5-8137-9DF3F51BA10A}">
+      <p15:sldGuideLst xmlns:p15="http://schemas.microsoft.com/office/powerpoint/2012/main"/>
+    </p:ext>
+  </p:extLst>
 </p:presentation>
 </file>
 
@@ -196,7 +201,7 @@
           <a:p>
             <a:fld id="{F29478CD-8856-D743-8FE5-5F0A37A30F38}" type="datetimeFigureOut">
               <a:rPr lang="en-US" smtClean="0"/>
-              <a:t>9/28/17</a:t>
+              <a:t>10/2/2018</a:t>
             </a:fld>
             <a:endParaRPr lang="en-US"/>
           </a:p>
@@ -260,38 +265,37 @@
           <a:p>
             <a:pPr lvl="0"/>
             <a:r>
-              <a:rPr lang="en-US" smtClean="0"/>
+              <a:rPr lang="en-US"/>
               <a:t>Click to edit Master text styles</a:t>
             </a:r>
           </a:p>
           <a:p>
             <a:pPr lvl="1"/>
             <a:r>
-              <a:rPr lang="en-US" smtClean="0"/>
+              <a:rPr lang="en-US"/>
               <a:t>Second level</a:t>
             </a:r>
           </a:p>
           <a:p>
             <a:pPr lvl="2"/>
             <a:r>
-              <a:rPr lang="en-US" smtClean="0"/>
+              <a:rPr lang="en-US"/>
               <a:t>Third level</a:t>
             </a:r>
           </a:p>
           <a:p>
             <a:pPr lvl="3"/>
             <a:r>
-              <a:rPr lang="en-US" smtClean="0"/>
+              <a:rPr lang="en-US"/>
               <a:t>Fourth level</a:t>
             </a:r>
           </a:p>
           <a:p>
             <a:pPr lvl="4"/>
             <a:r>
-              <a:rPr lang="en-US" smtClean="0"/>
+              <a:rPr lang="en-US"/>
               <a:t>Fifth level</a:t>
             </a:r>
-            <a:endParaRPr lang="en-US"/>
           </a:p>
         </p:txBody>
       </p:sp>
@@ -510,7 +514,7 @@
           </a:lstStyle>
           <a:p>
             <a:r>
-              <a:rPr lang="en-US" smtClean="0"/>
+              <a:rPr lang="en-US"/>
               <a:t>Click to edit Master title style</a:t>
             </a:r>
             <a:endParaRPr lang="en-US" dirty="0"/>
@@ -631,7 +635,7 @@
           </a:lstStyle>
           <a:p>
             <a:r>
-              <a:rPr lang="en-US" smtClean="0"/>
+              <a:rPr lang="en-US"/>
               <a:t>Click to edit Master subtitle style</a:t>
             </a:r>
             <a:endParaRPr lang="en-US" dirty="0"/>
@@ -656,7 +660,7 @@
             <a:fld id="{B61BEF0D-F0BB-DE4B-95CE-6DB70DBA9567}" type="datetimeFigureOut">
               <a:rPr lang="en-US" dirty="0"/>
               <a:pPr/>
-              <a:t>9/28/17</a:t>
+              <a:t>10/2/2018</a:t>
             </a:fld>
             <a:endParaRPr lang="en-US" dirty="0"/>
           </a:p>
@@ -921,7 +925,7 @@
           <a:lstStyle/>
           <a:p>
             <a:r>
-              <a:rPr lang="en-US" smtClean="0"/>
+              <a:rPr lang="en-US"/>
               <a:t>Click to edit Master title style</a:t>
             </a:r>
             <a:endParaRPr lang="en-US" dirty="0"/>
@@ -1008,7 +1012,7 @@
           </a:lstStyle>
           <a:p>
             <a:r>
-              <a:rPr lang="en-US" smtClean="0"/>
+              <a:rPr lang="en-US"/>
               <a:t>Drag picture to placeholder or click icon to add</a:t>
             </a:r>
             <a:endParaRPr lang="en-US" dirty="0"/>
@@ -1065,7 +1069,7 @@
           <a:p>
             <a:pPr lvl="0"/>
             <a:r>
-              <a:rPr lang="en-US" smtClean="0"/>
+              <a:rPr lang="en-US"/>
               <a:t>Click to edit Master text styles</a:t>
             </a:r>
           </a:p>
@@ -1089,7 +1093,7 @@
             <a:fld id="{B61BEF0D-F0BB-DE4B-95CE-6DB70DBA9567}" type="datetimeFigureOut">
               <a:rPr lang="en-US" dirty="0"/>
               <a:pPr/>
-              <a:t>9/28/17</a:t>
+              <a:t>10/2/2018</a:t>
             </a:fld>
             <a:endParaRPr lang="en-US" dirty="0"/>
           </a:p>
@@ -1190,7 +1194,7 @@
           </a:lstStyle>
           <a:p>
             <a:r>
-              <a:rPr lang="en-US" smtClean="0"/>
+              <a:rPr lang="en-US"/>
               <a:t>Click to edit Master title style</a:t>
             </a:r>
             <a:endParaRPr lang="en-US" dirty="0"/>
@@ -1312,7 +1316,7 @@
           <a:p>
             <a:pPr lvl="0"/>
             <a:r>
-              <a:rPr lang="en-US" smtClean="0"/>
+              <a:rPr lang="en-US"/>
               <a:t>Click to edit Master text styles</a:t>
             </a:r>
           </a:p>
@@ -1336,7 +1340,7 @@
             <a:fld id="{B61BEF0D-F0BB-DE4B-95CE-6DB70DBA9567}" type="datetimeFigureOut">
               <a:rPr lang="en-US" dirty="0"/>
               <a:pPr/>
-              <a:t>9/28/17</a:t>
+              <a:t>10/2/2018</a:t>
             </a:fld>
             <a:endParaRPr lang="en-US" dirty="0"/>
           </a:p>
@@ -1441,7 +1445,7 @@
           </a:lstStyle>
           <a:p>
             <a:r>
-              <a:rPr lang="en-US" smtClean="0"/>
+              <a:rPr lang="en-US"/>
               <a:t>Click to edit Master title style</a:t>
             </a:r>
             <a:endParaRPr lang="en-US" dirty="0"/>
@@ -1496,7 +1500,7 @@
           <a:p>
             <a:pPr lvl="0"/>
             <a:r>
-              <a:rPr lang="en-US" smtClean="0"/>
+              <a:rPr lang="en-US"/>
               <a:t>Click to edit Master text styles</a:t>
             </a:r>
           </a:p>
@@ -1617,7 +1621,7 @@
           <a:p>
             <a:pPr lvl="0"/>
             <a:r>
-              <a:rPr lang="en-US" smtClean="0"/>
+              <a:rPr lang="en-US"/>
               <a:t>Click to edit Master text styles</a:t>
             </a:r>
           </a:p>
@@ -1641,7 +1645,7 @@
             <a:fld id="{B61BEF0D-F0BB-DE4B-95CE-6DB70DBA9567}" type="datetimeFigureOut">
               <a:rPr lang="en-US" dirty="0"/>
               <a:pPr/>
-              <a:t>9/28/17</a:t>
+              <a:t>10/2/2018</a:t>
             </a:fld>
             <a:endParaRPr lang="en-US" dirty="0"/>
           </a:p>
@@ -1810,7 +1814,7 @@
           </a:lstStyle>
           <a:p>
             <a:r>
-              <a:rPr lang="en-US" smtClean="0"/>
+              <a:rPr lang="en-US"/>
               <a:t>Click to edit Master title style</a:t>
             </a:r>
             <a:endParaRPr lang="en-US" dirty="0"/>
@@ -1932,7 +1936,7 @@
           <a:p>
             <a:pPr lvl="0"/>
             <a:r>
-              <a:rPr lang="en-US" smtClean="0"/>
+              <a:rPr lang="en-US"/>
               <a:t>Click to edit Master text styles</a:t>
             </a:r>
           </a:p>
@@ -1956,7 +1960,7 @@
             <a:fld id="{B61BEF0D-F0BB-DE4B-95CE-6DB70DBA9567}" type="datetimeFigureOut">
               <a:rPr lang="en-US" dirty="0"/>
               <a:pPr/>
-              <a:t>9/28/17</a:t>
+              <a:t>10/2/2018</a:t>
             </a:fld>
             <a:endParaRPr lang="en-US" dirty="0"/>
           </a:p>
@@ -2061,7 +2065,7 @@
           </a:lstStyle>
           <a:p>
             <a:r>
-              <a:rPr lang="en-US" smtClean="0"/>
+              <a:rPr lang="en-US"/>
               <a:t>Click to edit Master title style</a:t>
             </a:r>
             <a:endParaRPr lang="en-US" dirty="0"/>
@@ -2110,7 +2114,7 @@
               <a:buNone/>
             </a:pPr>
             <a:r>
-              <a:rPr lang="en-US" smtClean="0"/>
+              <a:rPr lang="en-US"/>
               <a:t>Click to edit Master text styles</a:t>
             </a:r>
           </a:p>
@@ -2231,7 +2235,7 @@
           <a:p>
             <a:pPr lvl="0"/>
             <a:r>
-              <a:rPr lang="en-US" smtClean="0"/>
+              <a:rPr lang="en-US"/>
               <a:t>Click to edit Master text styles</a:t>
             </a:r>
           </a:p>
@@ -2255,7 +2259,7 @@
             <a:fld id="{B61BEF0D-F0BB-DE4B-95CE-6DB70DBA9567}" type="datetimeFigureOut">
               <a:rPr lang="en-US" dirty="0"/>
               <a:pPr/>
-              <a:t>9/28/17</a:t>
+              <a:t>10/2/2018</a:t>
             </a:fld>
             <a:endParaRPr lang="en-US" dirty="0"/>
           </a:p>
@@ -2425,7 +2429,7 @@
           <a:p>
             <a:pPr marL="0" lvl="0"/>
             <a:r>
-              <a:rPr lang="en-US" smtClean="0"/>
+              <a:rPr lang="en-US"/>
               <a:t>Click to edit Master title style</a:t>
             </a:r>
             <a:endParaRPr lang="en-US" dirty="0"/>
@@ -2474,7 +2478,7 @@
               <a:buNone/>
             </a:pPr>
             <a:r>
-              <a:rPr lang="en-US" smtClean="0"/>
+              <a:rPr lang="en-US"/>
               <a:t>Click to edit Master text styles</a:t>
             </a:r>
           </a:p>
@@ -2595,7 +2599,7 @@
           <a:p>
             <a:pPr lvl="0"/>
             <a:r>
-              <a:rPr lang="en-US" smtClean="0"/>
+              <a:rPr lang="en-US"/>
               <a:t>Click to edit Master text styles</a:t>
             </a:r>
           </a:p>
@@ -2619,7 +2623,7 @@
             <a:fld id="{B61BEF0D-F0BB-DE4B-95CE-6DB70DBA9567}" type="datetimeFigureOut">
               <a:rPr lang="en-US" dirty="0"/>
               <a:pPr/>
-              <a:t>9/28/17</a:t>
+              <a:t>10/2/2018</a:t>
             </a:fld>
             <a:endParaRPr lang="en-US" dirty="0"/>
           </a:p>
@@ -2713,7 +2717,7 @@
           </a:lstStyle>
           <a:p>
             <a:r>
-              <a:rPr lang="en-US" smtClean="0"/>
+              <a:rPr lang="en-US"/>
               <a:t>Click to edit Master title style</a:t>
             </a:r>
             <a:endParaRPr lang="en-US" dirty="0"/>
@@ -2737,35 +2741,35 @@
           <a:p>
             <a:pPr lvl="0"/>
             <a:r>
-              <a:rPr lang="en-US" smtClean="0"/>
+              <a:rPr lang="en-US"/>
               <a:t>Click to edit Master text styles</a:t>
             </a:r>
           </a:p>
           <a:p>
             <a:pPr lvl="1"/>
             <a:r>
-              <a:rPr lang="en-US" smtClean="0"/>
+              <a:rPr lang="en-US"/>
               <a:t>Second level</a:t>
             </a:r>
           </a:p>
           <a:p>
             <a:pPr lvl="2"/>
             <a:r>
-              <a:rPr lang="en-US" smtClean="0"/>
+              <a:rPr lang="en-US"/>
               <a:t>Third level</a:t>
             </a:r>
           </a:p>
           <a:p>
             <a:pPr lvl="3"/>
             <a:r>
-              <a:rPr lang="en-US" smtClean="0"/>
+              <a:rPr lang="en-US"/>
               <a:t>Fourth level</a:t>
             </a:r>
           </a:p>
           <a:p>
             <a:pPr lvl="4"/>
             <a:r>
-              <a:rPr lang="en-US" smtClean="0"/>
+              <a:rPr lang="en-US"/>
               <a:t>Fifth level</a:t>
             </a:r>
             <a:endParaRPr lang="en-US" dirty="0"/>
@@ -2790,7 +2794,7 @@
             <a:fld id="{B61BEF0D-F0BB-DE4B-95CE-6DB70DBA9567}" type="datetimeFigureOut">
               <a:rPr lang="en-US" dirty="0"/>
               <a:pPr/>
-              <a:t>9/28/17</a:t>
+              <a:t>10/2/2018</a:t>
             </a:fld>
             <a:endParaRPr lang="en-US" dirty="0"/>
           </a:p>
@@ -2885,7 +2889,7 @@
           <a:lstStyle/>
           <a:p>
             <a:r>
-              <a:rPr lang="en-US" smtClean="0"/>
+              <a:rPr lang="en-US"/>
               <a:t>Click to edit Master title style</a:t>
             </a:r>
             <a:endParaRPr lang="en-US" dirty="0"/>
@@ -2914,35 +2918,35 @@
           <a:p>
             <a:pPr lvl="0"/>
             <a:r>
-              <a:rPr lang="en-US" smtClean="0"/>
+              <a:rPr lang="en-US"/>
               <a:t>Click to edit Master text styles</a:t>
             </a:r>
           </a:p>
           <a:p>
             <a:pPr lvl="1"/>
             <a:r>
-              <a:rPr lang="en-US" smtClean="0"/>
+              <a:rPr lang="en-US"/>
               <a:t>Second level</a:t>
             </a:r>
           </a:p>
           <a:p>
             <a:pPr lvl="2"/>
             <a:r>
-              <a:rPr lang="en-US" smtClean="0"/>
+              <a:rPr lang="en-US"/>
               <a:t>Third level</a:t>
             </a:r>
           </a:p>
           <a:p>
             <a:pPr lvl="3"/>
             <a:r>
-              <a:rPr lang="en-US" smtClean="0"/>
+              <a:rPr lang="en-US"/>
               <a:t>Fourth level</a:t>
             </a:r>
           </a:p>
           <a:p>
             <a:pPr lvl="4"/>
             <a:r>
-              <a:rPr lang="en-US" smtClean="0"/>
+              <a:rPr lang="en-US"/>
               <a:t>Fifth level</a:t>
             </a:r>
             <a:endParaRPr lang="en-US" dirty="0"/>
@@ -2967,7 +2971,7 @@
             <a:fld id="{B61BEF0D-F0BB-DE4B-95CE-6DB70DBA9567}" type="datetimeFigureOut">
               <a:rPr lang="en-US" dirty="0"/>
               <a:pPr/>
-              <a:t>9/28/17</a:t>
+              <a:t>10/2/2018</a:t>
             </a:fld>
             <a:endParaRPr lang="en-US" dirty="0"/>
           </a:p>
@@ -3057,7 +3061,7 @@
           <a:lstStyle/>
           <a:p>
             <a:r>
-              <a:rPr lang="en-US" smtClean="0"/>
+              <a:rPr lang="en-US"/>
               <a:t>Click to edit Master title style</a:t>
             </a:r>
             <a:endParaRPr lang="en-US" dirty="0"/>
@@ -3081,35 +3085,35 @@
           <a:p>
             <a:pPr lvl="0"/>
             <a:r>
-              <a:rPr lang="en-US" smtClean="0"/>
+              <a:rPr lang="en-US"/>
               <a:t>Click to edit Master text styles</a:t>
             </a:r>
           </a:p>
           <a:p>
             <a:pPr lvl="1"/>
             <a:r>
-              <a:rPr lang="en-US" smtClean="0"/>
+              <a:rPr lang="en-US"/>
               <a:t>Second level</a:t>
             </a:r>
           </a:p>
           <a:p>
             <a:pPr lvl="2"/>
             <a:r>
-              <a:rPr lang="en-US" smtClean="0"/>
+              <a:rPr lang="en-US"/>
               <a:t>Third level</a:t>
             </a:r>
           </a:p>
           <a:p>
             <a:pPr lvl="3"/>
             <a:r>
-              <a:rPr lang="en-US" smtClean="0"/>
+              <a:rPr lang="en-US"/>
               <a:t>Fourth level</a:t>
             </a:r>
           </a:p>
           <a:p>
             <a:pPr lvl="4"/>
             <a:r>
-              <a:rPr lang="en-US" smtClean="0"/>
+              <a:rPr lang="en-US"/>
               <a:t>Fifth level</a:t>
             </a:r>
             <a:endParaRPr lang="en-US" dirty="0"/>
@@ -3134,7 +3138,7 @@
             <a:fld id="{B61BEF0D-F0BB-DE4B-95CE-6DB70DBA9567}" type="datetimeFigureOut">
               <a:rPr lang="en-US" dirty="0"/>
               <a:pPr/>
-              <a:t>9/28/17</a:t>
+              <a:t>10/2/2018</a:t>
             </a:fld>
             <a:endParaRPr lang="en-US" dirty="0"/>
           </a:p>
@@ -3235,7 +3239,7 @@
           </a:lstStyle>
           <a:p>
             <a:r>
-              <a:rPr lang="en-US" smtClean="0"/>
+              <a:rPr lang="en-US"/>
               <a:t>Click to edit Master title style</a:t>
             </a:r>
             <a:endParaRPr lang="en-US" dirty="0"/>
@@ -3357,7 +3361,7 @@
           <a:p>
             <a:pPr lvl="0"/>
             <a:r>
-              <a:rPr lang="en-US" smtClean="0"/>
+              <a:rPr lang="en-US"/>
               <a:t>Click to edit Master text styles</a:t>
             </a:r>
           </a:p>
@@ -3381,7 +3385,7 @@
             <a:fld id="{B61BEF0D-F0BB-DE4B-95CE-6DB70DBA9567}" type="datetimeFigureOut">
               <a:rPr lang="en-US" dirty="0"/>
               <a:pPr/>
-              <a:t>9/28/17</a:t>
+              <a:t>10/2/2018</a:t>
             </a:fld>
             <a:endParaRPr lang="en-US" dirty="0"/>
           </a:p>
@@ -3471,7 +3475,7 @@
           <a:lstStyle/>
           <a:p>
             <a:r>
-              <a:rPr lang="en-US" smtClean="0"/>
+              <a:rPr lang="en-US"/>
               <a:t>Click to edit Master title style</a:t>
             </a:r>
             <a:endParaRPr lang="en-US" dirty="0"/>
@@ -3502,35 +3506,35 @@
           <a:p>
             <a:pPr lvl="0"/>
             <a:r>
-              <a:rPr lang="en-US" smtClean="0"/>
+              <a:rPr lang="en-US"/>
               <a:t>Click to edit Master text styles</a:t>
             </a:r>
           </a:p>
           <a:p>
             <a:pPr lvl="1"/>
             <a:r>
-              <a:rPr lang="en-US" smtClean="0"/>
+              <a:rPr lang="en-US"/>
               <a:t>Second level</a:t>
             </a:r>
           </a:p>
           <a:p>
             <a:pPr lvl="2"/>
             <a:r>
-              <a:rPr lang="en-US" smtClean="0"/>
+              <a:rPr lang="en-US"/>
               <a:t>Third level</a:t>
             </a:r>
           </a:p>
           <a:p>
             <a:pPr lvl="3"/>
             <a:r>
-              <a:rPr lang="en-US" smtClean="0"/>
+              <a:rPr lang="en-US"/>
               <a:t>Fourth level</a:t>
             </a:r>
           </a:p>
           <a:p>
             <a:pPr lvl="4"/>
             <a:r>
-              <a:rPr lang="en-US" smtClean="0"/>
+              <a:rPr lang="en-US"/>
               <a:t>Fifth level</a:t>
             </a:r>
             <a:endParaRPr lang="en-US" dirty="0"/>
@@ -3561,35 +3565,35 @@
           <a:p>
             <a:pPr lvl="0"/>
             <a:r>
-              <a:rPr lang="en-US" smtClean="0"/>
+              <a:rPr lang="en-US"/>
               <a:t>Click to edit Master text styles</a:t>
             </a:r>
           </a:p>
           <a:p>
             <a:pPr lvl="1"/>
             <a:r>
-              <a:rPr lang="en-US" smtClean="0"/>
+              <a:rPr lang="en-US"/>
               <a:t>Second level</a:t>
             </a:r>
           </a:p>
           <a:p>
             <a:pPr lvl="2"/>
             <a:r>
-              <a:rPr lang="en-US" smtClean="0"/>
+              <a:rPr lang="en-US"/>
               <a:t>Third level</a:t>
             </a:r>
           </a:p>
           <a:p>
             <a:pPr lvl="3"/>
             <a:r>
-              <a:rPr lang="en-US" smtClean="0"/>
+              <a:rPr lang="en-US"/>
               <a:t>Fourth level</a:t>
             </a:r>
           </a:p>
           <a:p>
             <a:pPr lvl="4"/>
             <a:r>
-              <a:rPr lang="en-US" smtClean="0"/>
+              <a:rPr lang="en-US"/>
               <a:t>Fifth level</a:t>
             </a:r>
             <a:endParaRPr lang="en-US" dirty="0"/>
@@ -3614,7 +3618,7 @@
             <a:fld id="{B61BEF0D-F0BB-DE4B-95CE-6DB70DBA9567}" type="datetimeFigureOut">
               <a:rPr lang="en-US" dirty="0"/>
               <a:pPr/>
-              <a:t>9/28/17</a:t>
+              <a:t>10/2/2018</a:t>
             </a:fld>
             <a:endParaRPr lang="en-US" dirty="0"/>
           </a:p>
@@ -3708,7 +3712,7 @@
           </a:lstStyle>
           <a:p>
             <a:r>
-              <a:rPr lang="en-US" smtClean="0"/>
+              <a:rPr lang="en-US"/>
               <a:t>Click to edit Master title style</a:t>
             </a:r>
             <a:endParaRPr lang="en-US" dirty="0"/>
@@ -3780,7 +3784,7 @@
           <a:p>
             <a:pPr lvl="0"/>
             <a:r>
-              <a:rPr lang="en-US" smtClean="0"/>
+              <a:rPr lang="en-US"/>
               <a:t>Click to edit Master text styles</a:t>
             </a:r>
           </a:p>
@@ -3810,35 +3814,35 @@
           <a:p>
             <a:pPr lvl="0"/>
             <a:r>
-              <a:rPr lang="en-US" smtClean="0"/>
+              <a:rPr lang="en-US"/>
               <a:t>Click to edit Master text styles</a:t>
             </a:r>
           </a:p>
           <a:p>
             <a:pPr lvl="1"/>
             <a:r>
-              <a:rPr lang="en-US" smtClean="0"/>
+              <a:rPr lang="en-US"/>
               <a:t>Second level</a:t>
             </a:r>
           </a:p>
           <a:p>
             <a:pPr lvl="2"/>
             <a:r>
-              <a:rPr lang="en-US" smtClean="0"/>
+              <a:rPr lang="en-US"/>
               <a:t>Third level</a:t>
             </a:r>
           </a:p>
           <a:p>
             <a:pPr lvl="3"/>
             <a:r>
-              <a:rPr lang="en-US" smtClean="0"/>
+              <a:rPr lang="en-US"/>
               <a:t>Fourth level</a:t>
             </a:r>
           </a:p>
           <a:p>
             <a:pPr lvl="4"/>
             <a:r>
-              <a:rPr lang="en-US" smtClean="0"/>
+              <a:rPr lang="en-US"/>
               <a:t>Fifth level</a:t>
             </a:r>
             <a:endParaRPr lang="en-US" dirty="0"/>
@@ -3910,7 +3914,7 @@
           <a:p>
             <a:pPr lvl="0"/>
             <a:r>
-              <a:rPr lang="en-US" smtClean="0"/>
+              <a:rPr lang="en-US"/>
               <a:t>Click to edit Master text styles</a:t>
             </a:r>
           </a:p>
@@ -3940,35 +3944,35 @@
           <a:p>
             <a:pPr lvl="0"/>
             <a:r>
-              <a:rPr lang="en-US" smtClean="0"/>
+              <a:rPr lang="en-US"/>
               <a:t>Click to edit Master text styles</a:t>
             </a:r>
           </a:p>
           <a:p>
             <a:pPr lvl="1"/>
             <a:r>
-              <a:rPr lang="en-US" smtClean="0"/>
+              <a:rPr lang="en-US"/>
               <a:t>Second level</a:t>
             </a:r>
           </a:p>
           <a:p>
             <a:pPr lvl="2"/>
             <a:r>
-              <a:rPr lang="en-US" smtClean="0"/>
+              <a:rPr lang="en-US"/>
               <a:t>Third level</a:t>
             </a:r>
           </a:p>
           <a:p>
             <a:pPr lvl="3"/>
             <a:r>
-              <a:rPr lang="en-US" smtClean="0"/>
+              <a:rPr lang="en-US"/>
               <a:t>Fourth level</a:t>
             </a:r>
           </a:p>
           <a:p>
             <a:pPr lvl="4"/>
             <a:r>
-              <a:rPr lang="en-US" smtClean="0"/>
+              <a:rPr lang="en-US"/>
               <a:t>Fifth level</a:t>
             </a:r>
             <a:endParaRPr lang="en-US" dirty="0"/>
@@ -3993,7 +3997,7 @@
             <a:fld id="{B61BEF0D-F0BB-DE4B-95CE-6DB70DBA9567}" type="datetimeFigureOut">
               <a:rPr lang="en-US" dirty="0"/>
               <a:pPr/>
-              <a:t>9/28/17</a:t>
+              <a:t>10/2/2018</a:t>
             </a:fld>
             <a:endParaRPr lang="en-US" dirty="0"/>
           </a:p>
@@ -4083,7 +4087,7 @@
           <a:lstStyle/>
           <a:p>
             <a:r>
-              <a:rPr lang="en-US" smtClean="0"/>
+              <a:rPr lang="en-US"/>
               <a:t>Click to edit Master title style</a:t>
             </a:r>
             <a:endParaRPr lang="en-US" dirty="0"/>
@@ -4108,7 +4112,7 @@
             <a:fld id="{B61BEF0D-F0BB-DE4B-95CE-6DB70DBA9567}" type="datetimeFigureOut">
               <a:rPr lang="en-US" dirty="0"/>
               <a:pPr/>
-              <a:t>9/28/17</a:t>
+              <a:t>10/2/2018</a:t>
             </a:fld>
             <a:endParaRPr lang="en-US" dirty="0"/>
           </a:p>
@@ -4200,7 +4204,7 @@
             <a:fld id="{B61BEF0D-F0BB-DE4B-95CE-6DB70DBA9567}" type="datetimeFigureOut">
               <a:rPr lang="en-US" dirty="0"/>
               <a:pPr/>
-              <a:t>9/28/17</a:t>
+              <a:t>10/2/2018</a:t>
             </a:fld>
             <a:endParaRPr lang="en-US" dirty="0"/>
           </a:p>
@@ -4301,7 +4305,7 @@
           </a:lstStyle>
           <a:p>
             <a:r>
-              <a:rPr lang="en-US" smtClean="0"/>
+              <a:rPr lang="en-US"/>
               <a:t>Click to edit Master title style</a:t>
             </a:r>
             <a:endParaRPr lang="en-US" dirty="0"/>
@@ -4332,35 +4336,35 @@
           <a:p>
             <a:pPr lvl="0"/>
             <a:r>
-              <a:rPr lang="en-US" smtClean="0"/>
+              <a:rPr lang="en-US"/>
               <a:t>Click to edit Master text styles</a:t>
             </a:r>
           </a:p>
           <a:p>
             <a:pPr lvl="1"/>
             <a:r>
-              <a:rPr lang="en-US" smtClean="0"/>
+              <a:rPr lang="en-US"/>
               <a:t>Second level</a:t>
             </a:r>
           </a:p>
           <a:p>
             <a:pPr lvl="2"/>
             <a:r>
-              <a:rPr lang="en-US" smtClean="0"/>
+              <a:rPr lang="en-US"/>
               <a:t>Third level</a:t>
             </a:r>
           </a:p>
           <a:p>
             <a:pPr lvl="3"/>
             <a:r>
-              <a:rPr lang="en-US" smtClean="0"/>
+              <a:rPr lang="en-US"/>
               <a:t>Fourth level</a:t>
             </a:r>
           </a:p>
           <a:p>
             <a:pPr lvl="4"/>
             <a:r>
-              <a:rPr lang="en-US" smtClean="0"/>
+              <a:rPr lang="en-US"/>
               <a:t>Fifth level</a:t>
             </a:r>
             <a:endParaRPr lang="en-US" dirty="0"/>
@@ -4428,7 +4432,7 @@
           <a:p>
             <a:pPr lvl="0"/>
             <a:r>
-              <a:rPr lang="en-US" smtClean="0"/>
+              <a:rPr lang="en-US"/>
               <a:t>Click to edit Master text styles</a:t>
             </a:r>
           </a:p>
@@ -4452,7 +4456,7 @@
             <a:fld id="{B61BEF0D-F0BB-DE4B-95CE-6DB70DBA9567}" type="datetimeFigureOut">
               <a:rPr lang="en-US" dirty="0"/>
               <a:pPr/>
-              <a:t>9/28/17</a:t>
+              <a:t>10/2/2018</a:t>
             </a:fld>
             <a:endParaRPr lang="en-US" dirty="0"/>
           </a:p>
@@ -4553,7 +4557,7 @@
           </a:lstStyle>
           <a:p>
             <a:r>
-              <a:rPr lang="en-US" smtClean="0"/>
+              <a:rPr lang="en-US"/>
               <a:t>Click to edit Master title style</a:t>
             </a:r>
             <a:endParaRPr lang="en-US" dirty="0"/>
@@ -4640,7 +4644,7 @@
           </a:lstStyle>
           <a:p>
             <a:r>
-              <a:rPr lang="en-US" smtClean="0"/>
+              <a:rPr lang="en-US"/>
               <a:t>Drag picture to placeholder or click icon to add</a:t>
             </a:r>
             <a:endParaRPr lang="en-US" dirty="0"/>
@@ -4708,7 +4712,7 @@
           <a:p>
             <a:pPr lvl="0"/>
             <a:r>
-              <a:rPr lang="en-US" smtClean="0"/>
+              <a:rPr lang="en-US"/>
               <a:t>Click to edit Master text styles</a:t>
             </a:r>
           </a:p>
@@ -4732,7 +4736,7 @@
             <a:fld id="{B61BEF0D-F0BB-DE4B-95CE-6DB70DBA9567}" type="datetimeFigureOut">
               <a:rPr lang="en-US" dirty="0"/>
               <a:pPr/>
-              <a:t>9/28/17</a:t>
+              <a:t>10/2/2018</a:t>
             </a:fld>
             <a:endParaRPr lang="en-US" dirty="0"/>
           </a:p>
@@ -5028,7 +5032,7 @@
           <a:lstStyle/>
           <a:p>
             <a:r>
-              <a:rPr lang="en-US" smtClean="0"/>
+              <a:rPr lang="en-US"/>
               <a:t>Click to edit Master title style</a:t>
             </a:r>
             <a:endParaRPr lang="en-US" dirty="0"/>
@@ -5062,35 +5066,35 @@
           <a:p>
             <a:pPr lvl="0"/>
             <a:r>
-              <a:rPr lang="en-US" smtClean="0"/>
+              <a:rPr lang="en-US"/>
               <a:t>Click to edit Master text styles</a:t>
             </a:r>
           </a:p>
           <a:p>
             <a:pPr lvl="1"/>
             <a:r>
-              <a:rPr lang="en-US" smtClean="0"/>
+              <a:rPr lang="en-US"/>
               <a:t>Second level</a:t>
             </a:r>
           </a:p>
           <a:p>
             <a:pPr lvl="2"/>
             <a:r>
-              <a:rPr lang="en-US" smtClean="0"/>
+              <a:rPr lang="en-US"/>
               <a:t>Third level</a:t>
             </a:r>
           </a:p>
           <a:p>
             <a:pPr lvl="3"/>
             <a:r>
-              <a:rPr lang="en-US" smtClean="0"/>
+              <a:rPr lang="en-US"/>
               <a:t>Fourth level</a:t>
             </a:r>
           </a:p>
           <a:p>
             <a:pPr lvl="4"/>
             <a:r>
-              <a:rPr lang="en-US" smtClean="0"/>
+              <a:rPr lang="en-US"/>
               <a:t>Fifth level</a:t>
             </a:r>
             <a:endParaRPr lang="en-US" dirty="0"/>
@@ -5135,7 +5139,7 @@
             <a:fld id="{B61BEF0D-F0BB-DE4B-95CE-6DB70DBA9567}" type="datetimeFigureOut">
               <a:rPr lang="en-US" dirty="0"/>
               <a:pPr/>
-              <a:t>9/28/17</a:t>
+              <a:t>10/2/2018</a:t>
             </a:fld>
             <a:endParaRPr lang="en-US" dirty="0"/>
           </a:p>
@@ -5682,19 +5686,27 @@
           <a:lstStyle/>
           <a:p>
             <a:r>
-              <a:rPr lang="en-US" dirty="0" smtClean="0"/>
-              <a:t>intro to </a:t>
-            </a:r>
-            <a:r>
-              <a:rPr lang="en-US" dirty="0" err="1" smtClean="0"/>
+              <a:rPr lang="en-US" dirty="0"/>
+              <a:t>Intro </a:t>
+            </a:r>
+            <a:r>
+              <a:rPr lang="en-US"/>
+              <a:t>ashdas </a:t>
+            </a:r>
+            <a:r>
+              <a:rPr lang="en-US" dirty="0"/>
+              <a:t>to </a:t>
+            </a:r>
+            <a:r>
+              <a:rPr lang="en-US" dirty="0" err="1"/>
               <a:t>git</a:t>
             </a:r>
             <a:r>
-              <a:rPr lang="en-US" dirty="0" smtClean="0"/>
+              <a:rPr lang="en-US" dirty="0"/>
               <a:t> &amp; </a:t>
             </a:r>
             <a:r>
-              <a:rPr lang="en-US" dirty="0" err="1" smtClean="0"/>
+              <a:rPr lang="en-US" dirty="0" err="1"/>
               <a:t>github</a:t>
             </a:r>
             <a:endParaRPr lang="en-US" dirty="0"/>
@@ -5717,10 +5729,9 @@
           <a:lstStyle/>
           <a:p>
             <a:r>
-              <a:rPr lang="en-US" dirty="0" smtClean="0"/>
+              <a:rPr lang="en-US" dirty="0"/>
               <a:t>Global App Initiative and Girls Who Code</a:t>
             </a:r>
-            <a:endParaRPr lang="en-US" dirty="0"/>
           </a:p>
         </p:txBody>
       </p:sp>
@@ -5734,13 +5745,6 @@
   <p:clrMapOvr>
     <a:masterClrMapping/>
   </p:clrMapOvr>
-  <p:timing>
-    <p:tnLst>
-      <p:par>
-        <p:cTn id="1" dur="indefinite" restart="never" nodeType="tmRoot"/>
-      </p:par>
-    </p:tnLst>
-  </p:timing>
 </p:sld>
 </file>
 
@@ -5782,7 +5786,7 @@
           <a:lstStyle/>
           <a:p>
             <a:r>
-              <a:rPr lang="en-US" smtClean="0"/>
+              <a:rPr lang="en-US"/>
               <a:t>Motivation</a:t>
             </a:r>
             <a:endParaRPr lang="en-US" dirty="0"/>
@@ -5953,7 +5957,7 @@
           <a:lstStyle/>
           <a:p>
             <a:r>
-              <a:rPr lang="en-US" smtClean="0"/>
+              <a:rPr lang="en-US"/>
               <a:t>Motivation</a:t>
             </a:r>
             <a:endParaRPr lang="en-US" dirty="0"/>
@@ -6863,7 +6867,7 @@
           <a:lstStyle/>
           <a:p>
             <a:r>
-              <a:rPr lang="en-US" dirty="0" smtClean="0">
+              <a:rPr lang="en-US" dirty="0">
                 <a:solidFill>
                   <a:schemeClr val="bg1"/>
                 </a:solidFill>
@@ -6896,7 +6900,7 @@
           <a:lstStyle/>
           <a:p>
             <a:r>
-              <a:rPr lang="en-US" dirty="0" smtClean="0">
+              <a:rPr lang="en-US" dirty="0">
                 <a:solidFill>
                   <a:schemeClr val="bg1"/>
                 </a:solidFill>
@@ -6989,18 +6993,13 @@
           <a:lstStyle/>
           <a:p>
             <a:r>
-              <a:rPr lang="en-US" smtClean="0">
+              <a:rPr lang="en-US">
                 <a:solidFill>
                   <a:schemeClr val="bg1"/>
                 </a:solidFill>
               </a:rPr>
               <a:t>Master</a:t>
             </a:r>
-            <a:endParaRPr lang="en-US">
-              <a:solidFill>
-                <a:schemeClr val="bg1"/>
-              </a:solidFill>
-            </a:endParaRPr>
           </a:p>
         </p:txBody>
       </p:sp>
@@ -7211,7 +7210,7 @@
           <a:lstStyle/>
           <a:p>
             <a:r>
-              <a:rPr lang="en-US" dirty="0" smtClean="0">
+              <a:rPr lang="en-US" dirty="0">
                 <a:solidFill>
                   <a:schemeClr val="bg1"/>
                 </a:solidFill>
@@ -7408,18 +7407,13 @@
           <a:lstStyle/>
           <a:p>
             <a:r>
-              <a:rPr lang="en-US" dirty="0" smtClean="0">
+              <a:rPr lang="en-US" dirty="0">
                 <a:solidFill>
                   <a:schemeClr val="bg1"/>
                 </a:solidFill>
               </a:rPr>
               <a:t>Chapter 4</a:t>
             </a:r>
-            <a:endParaRPr lang="en-US" dirty="0">
-              <a:solidFill>
-                <a:schemeClr val="bg1"/>
-              </a:solidFill>
-            </a:endParaRPr>
           </a:p>
         </p:txBody>
       </p:sp>
@@ -8733,15 +8727,7 @@
                   <a:schemeClr val="bg1"/>
                 </a:solidFill>
               </a:rPr>
-              <a:t>Image </a:t>
-            </a:r>
-            <a:r>
-              <a:rPr lang="en-US" smtClean="0">
-                <a:solidFill>
-                  <a:schemeClr val="bg1"/>
-                </a:solidFill>
-              </a:rPr>
-              <a:t>from:</a:t>
+              <a:t>Image from:</a:t>
             </a:r>
             <a:endParaRPr lang="en-US" dirty="0">
               <a:solidFill>
@@ -8751,20 +8737,12 @@
           </a:p>
           <a:p>
             <a:r>
-              <a:rPr lang="en-US" dirty="0" smtClean="0">
-                <a:solidFill>
-                  <a:schemeClr val="bg1"/>
-                </a:solidFill>
-              </a:rPr>
-              <a:t>http</a:t>
-            </a:r>
-            <a:r>
               <a:rPr lang="en-US" dirty="0">
                 <a:solidFill>
                   <a:schemeClr val="bg1"/>
                 </a:solidFill>
               </a:rPr>
-              <a:t>://</a:t>
+              <a:t>http://</a:t>
             </a:r>
             <a:r>
               <a:rPr lang="en-US" dirty="0" err="1">
@@ -8811,13 +8789,6 @@
   <p:clrMapOvr>
     <a:masterClrMapping/>
   </p:clrMapOvr>
-  <p:timing>
-    <p:tnLst>
-      <p:par>
-        <p:cTn id="1" dur="indefinite" restart="never" nodeType="tmRoot"/>
-      </p:par>
-    </p:tnLst>
-  </p:timing>
 </p:sld>
 </file>
 
